--- a/작업흐름도/작업흐름도.pptx
+++ b/작업흐름도/작업흐름도.pptx
@@ -288,7 +288,8 @@
           <a:p>
             <a:fld id="{08D3C6AE-374A-45A3-A135-F822ABA0E812}" type="datetimeFigureOut">
               <a:rPr lang="ko-KR" altLang="en-US" smtClean="0"/>
-              <a:t>2020-04-22</a:t>
+              <a:pPr/>
+              <a:t>2020-05-08</a:t>
             </a:fld>
             <a:endParaRPr lang="ko-KR" altLang="en-US"/>
           </a:p>
@@ -330,6 +331,7 @@
           <a:p>
             <a:fld id="{D2B4B6C7-9E93-46CC-B9B1-9BB5CE0BB41B}" type="slidenum">
               <a:rPr lang="ko-KR" altLang="en-US" smtClean="0"/>
+              <a:pPr/>
               <a:t>‹#›</a:t>
             </a:fld>
             <a:endParaRPr lang="ko-KR" altLang="en-US"/>
@@ -453,7 +455,8 @@
           <a:p>
             <a:fld id="{08D3C6AE-374A-45A3-A135-F822ABA0E812}" type="datetimeFigureOut">
               <a:rPr lang="ko-KR" altLang="en-US" smtClean="0"/>
-              <a:t>2020-04-22</a:t>
+              <a:pPr/>
+              <a:t>2020-05-08</a:t>
             </a:fld>
             <a:endParaRPr lang="ko-KR" altLang="en-US"/>
           </a:p>
@@ -495,6 +498,7 @@
           <a:p>
             <a:fld id="{D2B4B6C7-9E93-46CC-B9B1-9BB5CE0BB41B}" type="slidenum">
               <a:rPr lang="ko-KR" altLang="en-US" smtClean="0"/>
+              <a:pPr/>
               <a:t>‹#›</a:t>
             </a:fld>
             <a:endParaRPr lang="ko-KR" altLang="en-US"/>
@@ -628,7 +632,8 @@
           <a:p>
             <a:fld id="{08D3C6AE-374A-45A3-A135-F822ABA0E812}" type="datetimeFigureOut">
               <a:rPr lang="ko-KR" altLang="en-US" smtClean="0"/>
-              <a:t>2020-04-22</a:t>
+              <a:pPr/>
+              <a:t>2020-05-08</a:t>
             </a:fld>
             <a:endParaRPr lang="ko-KR" altLang="en-US"/>
           </a:p>
@@ -670,6 +675,7 @@
           <a:p>
             <a:fld id="{D2B4B6C7-9E93-46CC-B9B1-9BB5CE0BB41B}" type="slidenum">
               <a:rPr lang="ko-KR" altLang="en-US" smtClean="0"/>
+              <a:pPr/>
               <a:t>‹#›</a:t>
             </a:fld>
             <a:endParaRPr lang="ko-KR" altLang="en-US"/>
@@ -793,7 +799,8 @@
           <a:p>
             <a:fld id="{08D3C6AE-374A-45A3-A135-F822ABA0E812}" type="datetimeFigureOut">
               <a:rPr lang="ko-KR" altLang="en-US" smtClean="0"/>
-              <a:t>2020-04-22</a:t>
+              <a:pPr/>
+              <a:t>2020-05-08</a:t>
             </a:fld>
             <a:endParaRPr lang="ko-KR" altLang="en-US"/>
           </a:p>
@@ -835,6 +842,7 @@
           <a:p>
             <a:fld id="{D2B4B6C7-9E93-46CC-B9B1-9BB5CE0BB41B}" type="slidenum">
               <a:rPr lang="ko-KR" altLang="en-US" smtClean="0"/>
+              <a:pPr/>
               <a:t>‹#›</a:t>
             </a:fld>
             <a:endParaRPr lang="ko-KR" altLang="en-US"/>
@@ -1034,7 +1042,8 @@
           <a:p>
             <a:fld id="{08D3C6AE-374A-45A3-A135-F822ABA0E812}" type="datetimeFigureOut">
               <a:rPr lang="ko-KR" altLang="en-US" smtClean="0"/>
-              <a:t>2020-04-22</a:t>
+              <a:pPr/>
+              <a:t>2020-05-08</a:t>
             </a:fld>
             <a:endParaRPr lang="ko-KR" altLang="en-US"/>
           </a:p>
@@ -1076,6 +1085,7 @@
           <a:p>
             <a:fld id="{D2B4B6C7-9E93-46CC-B9B1-9BB5CE0BB41B}" type="slidenum">
               <a:rPr lang="ko-KR" altLang="en-US" smtClean="0"/>
+              <a:pPr/>
               <a:t>‹#›</a:t>
             </a:fld>
             <a:endParaRPr lang="ko-KR" altLang="en-US"/>
@@ -1317,7 +1327,8 @@
           <a:p>
             <a:fld id="{08D3C6AE-374A-45A3-A135-F822ABA0E812}" type="datetimeFigureOut">
               <a:rPr lang="ko-KR" altLang="en-US" smtClean="0"/>
-              <a:t>2020-04-22</a:t>
+              <a:pPr/>
+              <a:t>2020-05-08</a:t>
             </a:fld>
             <a:endParaRPr lang="ko-KR" altLang="en-US"/>
           </a:p>
@@ -1359,6 +1370,7 @@
           <a:p>
             <a:fld id="{D2B4B6C7-9E93-46CC-B9B1-9BB5CE0BB41B}" type="slidenum">
               <a:rPr lang="ko-KR" altLang="en-US" smtClean="0"/>
+              <a:pPr/>
               <a:t>‹#›</a:t>
             </a:fld>
             <a:endParaRPr lang="ko-KR" altLang="en-US"/>
@@ -1734,7 +1746,8 @@
           <a:p>
             <a:fld id="{08D3C6AE-374A-45A3-A135-F822ABA0E812}" type="datetimeFigureOut">
               <a:rPr lang="ko-KR" altLang="en-US" smtClean="0"/>
-              <a:t>2020-04-22</a:t>
+              <a:pPr/>
+              <a:t>2020-05-08</a:t>
             </a:fld>
             <a:endParaRPr lang="ko-KR" altLang="en-US"/>
           </a:p>
@@ -1776,6 +1789,7 @@
           <a:p>
             <a:fld id="{D2B4B6C7-9E93-46CC-B9B1-9BB5CE0BB41B}" type="slidenum">
               <a:rPr lang="ko-KR" altLang="en-US" smtClean="0"/>
+              <a:pPr/>
               <a:t>‹#›</a:t>
             </a:fld>
             <a:endParaRPr lang="ko-KR" altLang="en-US"/>
@@ -1847,7 +1861,8 @@
           <a:p>
             <a:fld id="{08D3C6AE-374A-45A3-A135-F822ABA0E812}" type="datetimeFigureOut">
               <a:rPr lang="ko-KR" altLang="en-US" smtClean="0"/>
-              <a:t>2020-04-22</a:t>
+              <a:pPr/>
+              <a:t>2020-05-08</a:t>
             </a:fld>
             <a:endParaRPr lang="ko-KR" altLang="en-US"/>
           </a:p>
@@ -1889,6 +1904,7 @@
           <a:p>
             <a:fld id="{D2B4B6C7-9E93-46CC-B9B1-9BB5CE0BB41B}" type="slidenum">
               <a:rPr lang="ko-KR" altLang="en-US" smtClean="0"/>
+              <a:pPr/>
               <a:t>‹#›</a:t>
             </a:fld>
             <a:endParaRPr lang="ko-KR" altLang="en-US"/>
@@ -1937,7 +1953,8 @@
           <a:p>
             <a:fld id="{08D3C6AE-374A-45A3-A135-F822ABA0E812}" type="datetimeFigureOut">
               <a:rPr lang="ko-KR" altLang="en-US" smtClean="0"/>
-              <a:t>2020-04-22</a:t>
+              <a:pPr/>
+              <a:t>2020-05-08</a:t>
             </a:fld>
             <a:endParaRPr lang="ko-KR" altLang="en-US"/>
           </a:p>
@@ -1979,6 +1996,7 @@
           <a:p>
             <a:fld id="{D2B4B6C7-9E93-46CC-B9B1-9BB5CE0BB41B}" type="slidenum">
               <a:rPr lang="ko-KR" altLang="en-US" smtClean="0"/>
+              <a:pPr/>
               <a:t>‹#›</a:t>
             </a:fld>
             <a:endParaRPr lang="ko-KR" altLang="en-US"/>
@@ -2209,7 +2227,8 @@
           <a:p>
             <a:fld id="{08D3C6AE-374A-45A3-A135-F822ABA0E812}" type="datetimeFigureOut">
               <a:rPr lang="ko-KR" altLang="en-US" smtClean="0"/>
-              <a:t>2020-04-22</a:t>
+              <a:pPr/>
+              <a:t>2020-05-08</a:t>
             </a:fld>
             <a:endParaRPr lang="ko-KR" altLang="en-US"/>
           </a:p>
@@ -2251,6 +2270,7 @@
           <a:p>
             <a:fld id="{D2B4B6C7-9E93-46CC-B9B1-9BB5CE0BB41B}" type="slidenum">
               <a:rPr lang="ko-KR" altLang="en-US" smtClean="0"/>
+              <a:pPr/>
               <a:t>‹#›</a:t>
             </a:fld>
             <a:endParaRPr lang="ko-KR" altLang="en-US"/>
@@ -2457,7 +2477,8 @@
           <a:p>
             <a:fld id="{08D3C6AE-374A-45A3-A135-F822ABA0E812}" type="datetimeFigureOut">
               <a:rPr lang="ko-KR" altLang="en-US" smtClean="0"/>
-              <a:t>2020-04-22</a:t>
+              <a:pPr/>
+              <a:t>2020-05-08</a:t>
             </a:fld>
             <a:endParaRPr lang="ko-KR" altLang="en-US"/>
           </a:p>
@@ -2499,6 +2520,7 @@
           <a:p>
             <a:fld id="{D2B4B6C7-9E93-46CC-B9B1-9BB5CE0BB41B}" type="slidenum">
               <a:rPr lang="ko-KR" altLang="en-US" smtClean="0"/>
+              <a:pPr/>
               <a:t>‹#›</a:t>
             </a:fld>
             <a:endParaRPr lang="ko-KR" altLang="en-US"/>
@@ -2665,7 +2687,8 @@
           <a:p>
             <a:fld id="{08D3C6AE-374A-45A3-A135-F822ABA0E812}" type="datetimeFigureOut">
               <a:rPr lang="ko-KR" altLang="en-US" smtClean="0"/>
-              <a:t>2020-04-22</a:t>
+              <a:pPr/>
+              <a:t>2020-05-08</a:t>
             </a:fld>
             <a:endParaRPr lang="ko-KR" altLang="en-US"/>
           </a:p>
@@ -2743,6 +2766,7 @@
           <a:p>
             <a:fld id="{D2B4B6C7-9E93-46CC-B9B1-9BB5CE0BB41B}" type="slidenum">
               <a:rPr lang="ko-KR" altLang="en-US" smtClean="0"/>
+              <a:pPr/>
               <a:t>‹#›</a:t>
             </a:fld>
             <a:endParaRPr lang="ko-KR" altLang="en-US"/>
@@ -3043,7 +3067,7 @@
         </p:nvSpPr>
         <p:spPr>
           <a:xfrm>
-            <a:off x="395536" y="188640"/>
+            <a:off x="395536" y="1196752"/>
             <a:ext cx="2376264" cy="1152128"/>
           </a:xfrm>
           <a:prstGeom prst="rect">
@@ -3216,7 +3240,7 @@
         </p:nvSpPr>
         <p:spPr>
           <a:xfrm>
-            <a:off x="395536" y="2348880"/>
+            <a:off x="395536" y="3356992"/>
             <a:ext cx="2376264" cy="1152128"/>
           </a:xfrm>
           <a:prstGeom prst="rect">
@@ -3346,7 +3370,7 @@
         </p:nvSpPr>
         <p:spPr>
           <a:xfrm>
-            <a:off x="4067944" y="836712"/>
+            <a:off x="4067944" y="1844824"/>
             <a:ext cx="2376264" cy="1152128"/>
           </a:xfrm>
           <a:prstGeom prst="rect">
@@ -3468,7 +3492,7 @@
         </p:nvSpPr>
         <p:spPr>
           <a:xfrm>
-            <a:off x="2411760" y="4437112"/>
+            <a:off x="2411760" y="5445224"/>
             <a:ext cx="1800200" cy="1152128"/>
           </a:xfrm>
           <a:prstGeom prst="rect">
@@ -3563,7 +3587,7 @@
         </p:nvSpPr>
         <p:spPr>
           <a:xfrm>
-            <a:off x="3131840" y="1124744"/>
+            <a:off x="3131840" y="2132856"/>
             <a:ext cx="720080" cy="576064"/>
           </a:xfrm>
           <a:prstGeom prst="rightArrow">
@@ -3603,7 +3627,7 @@
         </p:nvSpPr>
         <p:spPr>
           <a:xfrm rot="5400000">
-            <a:off x="1331640" y="1556792"/>
+            <a:off x="1331640" y="2564904"/>
             <a:ext cx="432048" cy="576064"/>
           </a:xfrm>
           <a:prstGeom prst="rightArrow">
@@ -3643,7 +3667,7 @@
         </p:nvSpPr>
         <p:spPr>
           <a:xfrm rot="5400000">
-            <a:off x="5076056" y="2132856"/>
+            <a:off x="5076056" y="3140968"/>
             <a:ext cx="432048" cy="576064"/>
           </a:xfrm>
           <a:prstGeom prst="rightArrow">
@@ -3683,7 +3707,7 @@
         </p:nvSpPr>
         <p:spPr>
           <a:xfrm>
-            <a:off x="4499992" y="4437112"/>
+            <a:off x="4499992" y="5445224"/>
             <a:ext cx="1800200" cy="1152128"/>
           </a:xfrm>
           <a:prstGeom prst="rect">
@@ -3773,7 +3797,7 @@
         </p:nvSpPr>
         <p:spPr>
           <a:xfrm>
-            <a:off x="6732240" y="4437112"/>
+            <a:off x="6732240" y="5445224"/>
             <a:ext cx="1800200" cy="1152128"/>
           </a:xfrm>
           <a:prstGeom prst="rect">
@@ -3857,6 +3881,327 @@
               </a:rPr>
               <a:t>,</a:t>
             </a:r>
+          </a:p>
+        </p:txBody>
+      </p:sp>
+      <p:sp>
+        <p:nvSpPr>
+          <p:cNvPr id="11" name="타원 10"/>
+          <p:cNvSpPr/>
+          <p:nvPr/>
+        </p:nvSpPr>
+        <p:spPr>
+          <a:xfrm>
+            <a:off x="107504" y="1008112"/>
+            <a:ext cx="504056" cy="504056"/>
+          </a:xfrm>
+          <a:prstGeom prst="ellipse">
+            <a:avLst/>
+          </a:prstGeom>
+        </p:spPr>
+        <p:style>
+          <a:lnRef idx="2">
+            <a:schemeClr val="accent1">
+              <a:shade val="50000"/>
+            </a:schemeClr>
+          </a:lnRef>
+          <a:fillRef idx="1">
+            <a:schemeClr val="accent1"/>
+          </a:fillRef>
+          <a:effectRef idx="0">
+            <a:schemeClr val="accent1"/>
+          </a:effectRef>
+          <a:fontRef idx="minor">
+            <a:schemeClr val="lt1"/>
+          </a:fontRef>
+        </p:style>
+        <p:txBody>
+          <a:bodyPr rtlCol="0" anchor="ctr"/>
+          <a:lstStyle/>
+          <a:p>
+            <a:pPr algn="ctr"/>
+            <a:r>
+              <a:rPr lang="en-US" altLang="ko-KR" dirty="0" smtClean="0"/>
+              <a:t>1</a:t>
+            </a:r>
+            <a:endParaRPr lang="ko-KR" altLang="en-US" dirty="0"/>
+          </a:p>
+        </p:txBody>
+      </p:sp>
+      <p:sp>
+        <p:nvSpPr>
+          <p:cNvPr id="15" name="타원 14"/>
+          <p:cNvSpPr/>
+          <p:nvPr/>
+        </p:nvSpPr>
+        <p:spPr>
+          <a:xfrm>
+            <a:off x="107504" y="3140968"/>
+            <a:ext cx="504056" cy="504056"/>
+          </a:xfrm>
+          <a:prstGeom prst="ellipse">
+            <a:avLst/>
+          </a:prstGeom>
+        </p:spPr>
+        <p:style>
+          <a:lnRef idx="2">
+            <a:schemeClr val="accent1">
+              <a:shade val="50000"/>
+            </a:schemeClr>
+          </a:lnRef>
+          <a:fillRef idx="1">
+            <a:schemeClr val="accent1"/>
+          </a:fillRef>
+          <a:effectRef idx="0">
+            <a:schemeClr val="accent1"/>
+          </a:effectRef>
+          <a:fontRef idx="minor">
+            <a:schemeClr val="lt1"/>
+          </a:fontRef>
+        </p:style>
+        <p:txBody>
+          <a:bodyPr rtlCol="0" anchor="ctr"/>
+          <a:lstStyle/>
+          <a:p>
+            <a:pPr algn="ctr"/>
+            <a:r>
+              <a:rPr lang="en-US" altLang="ko-KR" dirty="0" smtClean="0"/>
+              <a:t>2</a:t>
+            </a:r>
+            <a:endParaRPr lang="ko-KR" altLang="en-US" dirty="0"/>
+          </a:p>
+        </p:txBody>
+      </p:sp>
+      <p:sp>
+        <p:nvSpPr>
+          <p:cNvPr id="16" name="타원 15"/>
+          <p:cNvSpPr/>
+          <p:nvPr/>
+        </p:nvSpPr>
+        <p:spPr>
+          <a:xfrm>
+            <a:off x="3851920" y="1628800"/>
+            <a:ext cx="504056" cy="504056"/>
+          </a:xfrm>
+          <a:prstGeom prst="ellipse">
+            <a:avLst/>
+          </a:prstGeom>
+        </p:spPr>
+        <p:style>
+          <a:lnRef idx="2">
+            <a:schemeClr val="accent1">
+              <a:shade val="50000"/>
+            </a:schemeClr>
+          </a:lnRef>
+          <a:fillRef idx="1">
+            <a:schemeClr val="accent1"/>
+          </a:fillRef>
+          <a:effectRef idx="0">
+            <a:schemeClr val="accent1"/>
+          </a:effectRef>
+          <a:fontRef idx="minor">
+            <a:schemeClr val="lt1"/>
+          </a:fontRef>
+        </p:style>
+        <p:txBody>
+          <a:bodyPr rtlCol="0" anchor="ctr"/>
+          <a:lstStyle/>
+          <a:p>
+            <a:pPr algn="ctr"/>
+            <a:r>
+              <a:rPr lang="en-US" altLang="ko-KR" dirty="0" smtClean="0"/>
+              <a:t>3</a:t>
+            </a:r>
+            <a:endParaRPr lang="ko-KR" altLang="en-US" dirty="0"/>
+          </a:p>
+        </p:txBody>
+      </p:sp>
+      <p:sp>
+        <p:nvSpPr>
+          <p:cNvPr id="19" name="타원 18"/>
+          <p:cNvSpPr/>
+          <p:nvPr/>
+        </p:nvSpPr>
+        <p:spPr>
+          <a:xfrm>
+            <a:off x="5004048" y="4509120"/>
+            <a:ext cx="504056" cy="504056"/>
+          </a:xfrm>
+          <a:prstGeom prst="ellipse">
+            <a:avLst/>
+          </a:prstGeom>
+        </p:spPr>
+        <p:style>
+          <a:lnRef idx="2">
+            <a:schemeClr val="accent1">
+              <a:shade val="50000"/>
+            </a:schemeClr>
+          </a:lnRef>
+          <a:fillRef idx="1">
+            <a:schemeClr val="accent1"/>
+          </a:fillRef>
+          <a:effectRef idx="0">
+            <a:schemeClr val="accent1"/>
+          </a:effectRef>
+          <a:fontRef idx="minor">
+            <a:schemeClr val="lt1"/>
+          </a:fontRef>
+        </p:style>
+        <p:txBody>
+          <a:bodyPr rtlCol="0" anchor="ctr"/>
+          <a:lstStyle/>
+          <a:p>
+            <a:pPr algn="ctr"/>
+            <a:r>
+              <a:rPr lang="en-US" altLang="ko-KR" dirty="0" smtClean="0"/>
+              <a:t>4</a:t>
+            </a:r>
+            <a:endParaRPr lang="ko-KR" altLang="en-US" dirty="0"/>
+          </a:p>
+        </p:txBody>
+      </p:sp>
+      <p:sp>
+        <p:nvSpPr>
+          <p:cNvPr id="17" name="직사각형 16"/>
+          <p:cNvSpPr/>
+          <p:nvPr/>
+        </p:nvSpPr>
+        <p:spPr>
+          <a:xfrm>
+            <a:off x="323528" y="188640"/>
+            <a:ext cx="8496944" cy="648072"/>
+          </a:xfrm>
+          <a:prstGeom prst="rect">
+            <a:avLst/>
+          </a:prstGeom>
+          <a:solidFill>
+            <a:schemeClr val="bg1">
+              <a:lumMod val="50000"/>
+            </a:schemeClr>
+          </a:solidFill>
+          <a:ln>
+            <a:noFill/>
+          </a:ln>
+        </p:spPr>
+        <p:style>
+          <a:lnRef idx="2">
+            <a:schemeClr val="accent1">
+              <a:shade val="50000"/>
+            </a:schemeClr>
+          </a:lnRef>
+          <a:fillRef idx="1">
+            <a:schemeClr val="accent1"/>
+          </a:fillRef>
+          <a:effectRef idx="0">
+            <a:schemeClr val="accent1"/>
+          </a:effectRef>
+          <a:fontRef idx="minor">
+            <a:schemeClr val="lt1"/>
+          </a:fontRef>
+        </p:style>
+        <p:txBody>
+          <a:bodyPr rtlCol="0" anchor="ctr"/>
+          <a:lstStyle/>
+          <a:p>
+            <a:pPr algn="ctr"/>
+            <a:r>
+              <a:rPr lang="ko-KR" altLang="en-US" dirty="0" err="1" smtClean="0"/>
+              <a:t>네이버</a:t>
+            </a:r>
+            <a:r>
+              <a:rPr lang="ko-KR" altLang="en-US" dirty="0" smtClean="0"/>
+              <a:t> </a:t>
+            </a:r>
+            <a:r>
+              <a:rPr lang="ko-KR" altLang="en-US" dirty="0" err="1" smtClean="0"/>
+              <a:t>블로그</a:t>
+            </a:r>
+            <a:r>
+              <a:rPr lang="ko-KR" altLang="en-US" dirty="0" smtClean="0"/>
+              <a:t> </a:t>
+            </a:r>
+            <a:r>
+              <a:rPr lang="ko-KR" altLang="en-US" dirty="0" err="1" smtClean="0"/>
+              <a:t>크롤링</a:t>
+            </a:r>
+            <a:r>
+              <a:rPr lang="ko-KR" altLang="en-US" dirty="0" smtClean="0"/>
+              <a:t> </a:t>
+            </a:r>
+            <a:r>
+              <a:rPr lang="en-US" altLang="ko-KR" dirty="0" err="1" smtClean="0"/>
+              <a:t>WorkFlow</a:t>
+            </a:r>
+            <a:endParaRPr lang="ko-KR" altLang="en-US" dirty="0"/>
+          </a:p>
+        </p:txBody>
+      </p:sp>
+      <p:sp>
+        <p:nvSpPr>
+          <p:cNvPr id="20" name="모서리가 둥근 직사각형 19"/>
+          <p:cNvSpPr/>
+          <p:nvPr/>
+        </p:nvSpPr>
+        <p:spPr>
+          <a:xfrm>
+            <a:off x="2627784" y="908720"/>
+            <a:ext cx="1368152" cy="720080"/>
+          </a:xfrm>
+          <a:prstGeom prst="roundRect">
+            <a:avLst/>
+          </a:prstGeom>
+          <a:solidFill>
+            <a:schemeClr val="accent4">
+              <a:lumMod val="60000"/>
+              <a:lumOff val="40000"/>
+            </a:schemeClr>
+          </a:solidFill>
+          <a:ln>
+            <a:noFill/>
+          </a:ln>
+        </p:spPr>
+        <p:style>
+          <a:lnRef idx="2">
+            <a:schemeClr val="accent1">
+              <a:shade val="50000"/>
+            </a:schemeClr>
+          </a:lnRef>
+          <a:fillRef idx="1">
+            <a:schemeClr val="accent1"/>
+          </a:fillRef>
+          <a:effectRef idx="0">
+            <a:schemeClr val="accent1"/>
+          </a:effectRef>
+          <a:fontRef idx="minor">
+            <a:schemeClr val="lt1"/>
+          </a:fontRef>
+        </p:style>
+        <p:txBody>
+          <a:bodyPr rtlCol="0" anchor="ctr"/>
+          <a:lstStyle/>
+          <a:p>
+            <a:pPr algn="ctr"/>
+            <a:r>
+              <a:rPr lang="ko-KR" altLang="en-US" sz="1400" dirty="0" err="1" smtClean="0">
+                <a:solidFill>
+                  <a:schemeClr val="tx1"/>
+                </a:solidFill>
+              </a:rPr>
+              <a:t>불용어사전</a:t>
+            </a:r>
+            <a:r>
+              <a:rPr lang="ko-KR" altLang="en-US" sz="1400" dirty="0" smtClean="0">
+                <a:solidFill>
+                  <a:schemeClr val="tx1"/>
+                </a:solidFill>
+              </a:rPr>
+              <a:t> 생성</a:t>
+            </a:r>
+            <a:endParaRPr lang="ko-KR" altLang="en-US" sz="1400" dirty="0">
+              <a:solidFill>
+                <a:schemeClr val="tx1"/>
+              </a:solidFill>
+            </a:endParaRPr>
           </a:p>
         </p:txBody>
       </p:sp>
